--- a/day2/slides/08_GECKO_sequential.pptx
+++ b/day2/slides/08_GECKO_sequential.pptx
@@ -7703,7 +7703,7 @@
                 <a:cs typeface="Calibri"/>
                 <a:sym typeface="Calibri"/>
               </a:rPr>
-              <a:t>Leskosec</a:t>
+              <a:t>Leskosek</a:t>
             </a:r>
             <a:r>
               <a:rPr lang="en-US" sz="2400" b="0" i="1" u="none" strike="noStrike" cap="none" dirty="0" smtClean="0">
@@ -7783,6 +7783,13 @@
   <p:clrMapOvr>
     <a:masterClrMapping/>
   </p:clrMapOvr>
+  <p:timing>
+    <p:tnLst>
+      <p:par>
+        <p:cTn id="1" dur="indefinite" restart="never" nodeType="tmRoot"/>
+      </p:par>
+    </p:tnLst>
+  </p:timing>
 </p:sld>
 </file>
 
@@ -8616,31 +8623,7 @@
                   <a:srgbClr val="2F5897"/>
                 </a:solidFill>
               </a:rPr>
-              <a:t>All </a:t>
-            </a:r>
-            <a:r>
-              <a:rPr lang="en-GB" dirty="0" smtClean="0">
-                <a:solidFill>
-                  <a:srgbClr val="2F5897"/>
-                </a:solidFill>
-              </a:rPr>
-              <a:t>the </a:t>
-            </a:r>
-            <a:r>
-              <a:rPr lang="en-GB" dirty="0" smtClean="0">
-                <a:solidFill>
-                  <a:srgbClr val="2F5897"/>
-                </a:solidFill>
-              </a:rPr>
-              <a:t>files </a:t>
-            </a:r>
-            <a:r>
-              <a:rPr lang="en-GB" dirty="0" smtClean="0">
-                <a:solidFill>
-                  <a:srgbClr val="2F5897"/>
-                </a:solidFill>
-              </a:rPr>
-              <a:t>inside the ‘</a:t>
+              <a:t>All the files inside the ‘</a:t>
             </a:r>
             <a:r>
               <a:rPr lang="en-GB" dirty="0" err="1" smtClean="0">
@@ -11027,15 +11010,7 @@
                   <a:srgbClr val="FF9900"/>
                 </a:solidFill>
               </a:rPr>
-              <a:t>Multiple genome</a:t>
-            </a:r>
-            <a:r>
-              <a:rPr lang="en-US" b="1" dirty="0" smtClean="0">
-                <a:solidFill>
-                  <a:srgbClr val="FF9900"/>
-                </a:solidFill>
-              </a:rPr>
-              <a:t> comparison</a:t>
+              <a:t>Multiple genome comparison</a:t>
             </a:r>
             <a:endParaRPr lang="en-US" b="1" dirty="0">
               <a:solidFill>
